--- a/docs/Organisation_Projet.pptx
+++ b/docs/Organisation_Projet.pptx
@@ -1102,7 +1102,15 @@
           <a:pPr algn="ctr"/>
           <a:r>
             <a:rPr lang="fr-FR" dirty="0" smtClean="0"/>
-            <a:t>M. Lecompte et M. Bobillier</a:t>
+            <a:t>M. </a:t>
+          </a:r>
+          <a:r>
+            <a:rPr lang="fr-FR" dirty="0" smtClean="0"/>
+            <a:t>Lecomte </a:t>
+          </a:r>
+          <a:r>
+            <a:rPr lang="fr-FR" dirty="0" smtClean="0"/>
+            <a:t>et M. Bobillier</a:t>
           </a:r>
           <a:endParaRPr lang="fr-FR" dirty="0"/>
         </a:p>
@@ -1144,7 +1152,7 @@
           <a:pPr algn="ctr"/>
           <a:r>
             <a:rPr lang="fr-FR" sz="1000" dirty="0" err="1" smtClean="0"/>
-            <a:t>M.Lecompte</a:t>
+            <a:t>M.Lecomte</a:t>
           </a:r>
           <a:r>
             <a:rPr lang="fr-FR" sz="2000" dirty="0" smtClean="0"/>
@@ -1250,6 +1258,13 @@
         </dgm:presLayoutVars>
       </dgm:prSet>
       <dgm:spPr/>
+      <dgm:t>
+        <a:bodyPr/>
+        <a:lstStyle/>
+        <a:p>
+          <a:endParaRPr lang="fr-FR"/>
+        </a:p>
+      </dgm:t>
     </dgm:pt>
     <dgm:pt modelId="{6978D114-96D3-46DF-A9D5-59B877EF459F}" type="pres">
       <dgm:prSet presAssocID="{1D2FC5A6-F110-4355-9641-66A96C0E8C5F}" presName="hierRoot1" presStyleCnt="0">
@@ -1298,6 +1313,13 @@
     <dgm:pt modelId="{2B8E6030-74B4-472E-9B5F-F2A6ED2F4F67}" type="pres">
       <dgm:prSet presAssocID="{1D2FC5A6-F110-4355-9641-66A96C0E8C5F}" presName="rootConnector1" presStyleLbl="node1" presStyleIdx="0" presStyleCnt="5"/>
       <dgm:spPr/>
+      <dgm:t>
+        <a:bodyPr/>
+        <a:lstStyle/>
+        <a:p>
+          <a:endParaRPr lang="fr-FR"/>
+        </a:p>
+      </dgm:t>
     </dgm:pt>
     <dgm:pt modelId="{BD063EA0-7523-4090-BC08-F70B37FEABAE}" type="pres">
       <dgm:prSet presAssocID="{1D2FC5A6-F110-4355-9641-66A96C0E8C5F}" presName="hierChild2" presStyleCnt="0"/>
@@ -1306,6 +1328,13 @@
     <dgm:pt modelId="{4085EC4F-4F01-492B-A914-8DE1E77204C6}" type="pres">
       <dgm:prSet presAssocID="{33037FC0-D58B-440C-AF7D-2A1677AF2C0A}" presName="Name37" presStyleLbl="parChTrans1D2" presStyleIdx="0" presStyleCnt="4"/>
       <dgm:spPr/>
+      <dgm:t>
+        <a:bodyPr/>
+        <a:lstStyle/>
+        <a:p>
+          <a:endParaRPr lang="fr-FR"/>
+        </a:p>
+      </dgm:t>
     </dgm:pt>
     <dgm:pt modelId="{080C08A3-3519-450C-BF1E-B4CD817A6C2E}" type="pres">
       <dgm:prSet presAssocID="{9A9BA4F0-9650-4058-8C0E-4D054F893CEA}" presName="hierRoot2" presStyleCnt="0">
@@ -1343,10 +1372,24 @@
         </dgm:presLayoutVars>
       </dgm:prSet>
       <dgm:spPr/>
+      <dgm:t>
+        <a:bodyPr/>
+        <a:lstStyle/>
+        <a:p>
+          <a:endParaRPr lang="fr-FR"/>
+        </a:p>
+      </dgm:t>
     </dgm:pt>
     <dgm:pt modelId="{2BA604EF-F73E-40E5-85A7-C1E3623226BD}" type="pres">
       <dgm:prSet presAssocID="{9A9BA4F0-9650-4058-8C0E-4D054F893CEA}" presName="rootConnector" presStyleLbl="node2" presStyleIdx="0" presStyleCnt="0"/>
       <dgm:spPr/>
+      <dgm:t>
+        <a:bodyPr/>
+        <a:lstStyle/>
+        <a:p>
+          <a:endParaRPr lang="fr-FR"/>
+        </a:p>
+      </dgm:t>
     </dgm:pt>
     <dgm:pt modelId="{72EFBD71-DC19-4E81-A1DD-90671CC6EB23}" type="pres">
       <dgm:prSet presAssocID="{9A9BA4F0-9650-4058-8C0E-4D054F893CEA}" presName="hierChild4" presStyleCnt="0"/>
@@ -1359,6 +1402,13 @@
     <dgm:pt modelId="{65248744-C3BA-4246-9DD2-6A603E56B2F3}" type="pres">
       <dgm:prSet presAssocID="{F04B11F9-EA34-4E7C-A769-782E571266F0}" presName="Name37" presStyleLbl="parChTrans1D2" presStyleIdx="1" presStyleCnt="4"/>
       <dgm:spPr/>
+      <dgm:t>
+        <a:bodyPr/>
+        <a:lstStyle/>
+        <a:p>
+          <a:endParaRPr lang="fr-FR"/>
+        </a:p>
+      </dgm:t>
     </dgm:pt>
     <dgm:pt modelId="{517D66A9-3106-4384-B6C6-09E07AFE8C60}" type="pres">
       <dgm:prSet presAssocID="{E482D567-41C2-4C4F-8C21-62FC5B352369}" presName="hierRoot2" presStyleCnt="0">
@@ -1407,6 +1457,13 @@
     <dgm:pt modelId="{C62392D9-AAE2-4E80-964F-F969D293B527}" type="pres">
       <dgm:prSet presAssocID="{E482D567-41C2-4C4F-8C21-62FC5B352369}" presName="rootConnector" presStyleLbl="node2" presStyleIdx="0" presStyleCnt="0"/>
       <dgm:spPr/>
+      <dgm:t>
+        <a:bodyPr/>
+        <a:lstStyle/>
+        <a:p>
+          <a:endParaRPr lang="fr-FR"/>
+        </a:p>
+      </dgm:t>
     </dgm:pt>
     <dgm:pt modelId="{0552D877-5BC5-4F88-912E-D6461E0E19E8}" type="pres">
       <dgm:prSet presAssocID="{E482D567-41C2-4C4F-8C21-62FC5B352369}" presName="hierChild4" presStyleCnt="0"/>
@@ -1415,6 +1472,13 @@
     <dgm:pt modelId="{0148A58B-3785-4C9C-B364-8DBC9C9FD689}" type="pres">
       <dgm:prSet presAssocID="{28708F4A-4A5F-4C23-9095-9CC50F75A4E5}" presName="Name37" presStyleLbl="parChTrans1D3" presStyleIdx="0" presStyleCnt="2"/>
       <dgm:spPr/>
+      <dgm:t>
+        <a:bodyPr/>
+        <a:lstStyle/>
+        <a:p>
+          <a:endParaRPr lang="fr-FR"/>
+        </a:p>
+      </dgm:t>
     </dgm:pt>
     <dgm:pt modelId="{7D20D5AE-BAA4-4163-B5E5-390C07437DAE}" type="pres">
       <dgm:prSet presAssocID="{BC0F1B36-1771-4DC2-A086-A313116E3763}" presName="hierRoot2" presStyleCnt="0">
@@ -1452,10 +1516,24 @@
         </dgm:presLayoutVars>
       </dgm:prSet>
       <dgm:spPr/>
+      <dgm:t>
+        <a:bodyPr/>
+        <a:lstStyle/>
+        <a:p>
+          <a:endParaRPr lang="fr-FR"/>
+        </a:p>
+      </dgm:t>
     </dgm:pt>
     <dgm:pt modelId="{F5F47991-3B02-490B-AF93-C306E97BEC1B}" type="pres">
       <dgm:prSet presAssocID="{BC0F1B36-1771-4DC2-A086-A313116E3763}" presName="rootConnector" presStyleLbl="node3" presStyleIdx="0" presStyleCnt="0"/>
       <dgm:spPr/>
+      <dgm:t>
+        <a:bodyPr/>
+        <a:lstStyle/>
+        <a:p>
+          <a:endParaRPr lang="fr-FR"/>
+        </a:p>
+      </dgm:t>
     </dgm:pt>
     <dgm:pt modelId="{4AD31827-5084-4295-A940-B7D55E809EC5}" type="pres">
       <dgm:prSet presAssocID="{BC0F1B36-1771-4DC2-A086-A313116E3763}" presName="hierChild4" presStyleCnt="0"/>
@@ -1468,6 +1546,13 @@
     <dgm:pt modelId="{089EBBBC-96F2-4758-88BD-6B3B447E9823}" type="pres">
       <dgm:prSet presAssocID="{4103D902-3890-4FA2-82CE-E499AAF29897}" presName="Name37" presStyleLbl="parChTrans1D3" presStyleIdx="1" presStyleCnt="2"/>
       <dgm:spPr/>
+      <dgm:t>
+        <a:bodyPr/>
+        <a:lstStyle/>
+        <a:p>
+          <a:endParaRPr lang="fr-FR"/>
+        </a:p>
+      </dgm:t>
     </dgm:pt>
     <dgm:pt modelId="{BB2E4FA7-6410-4E3F-8203-3A5B27E12974}" type="pres">
       <dgm:prSet presAssocID="{418F248A-F987-4C58-BB02-5240F1301C08}" presName="hierRoot2" presStyleCnt="0">
@@ -1505,10 +1590,24 @@
         </dgm:presLayoutVars>
       </dgm:prSet>
       <dgm:spPr/>
+      <dgm:t>
+        <a:bodyPr/>
+        <a:lstStyle/>
+        <a:p>
+          <a:endParaRPr lang="fr-FR"/>
+        </a:p>
+      </dgm:t>
     </dgm:pt>
     <dgm:pt modelId="{4A206C0F-73EA-46B1-B71B-81CFB4985DFA}" type="pres">
       <dgm:prSet presAssocID="{418F248A-F987-4C58-BB02-5240F1301C08}" presName="rootConnector" presStyleLbl="node3" presStyleIdx="0" presStyleCnt="0"/>
       <dgm:spPr/>
+      <dgm:t>
+        <a:bodyPr/>
+        <a:lstStyle/>
+        <a:p>
+          <a:endParaRPr lang="fr-FR"/>
+        </a:p>
+      </dgm:t>
     </dgm:pt>
     <dgm:pt modelId="{765053C5-761C-4230-B0BF-C4763AB2DDCD}" type="pres">
       <dgm:prSet presAssocID="{418F248A-F987-4C58-BB02-5240F1301C08}" presName="hierChild4" presStyleCnt="0"/>
@@ -1525,6 +1624,13 @@
     <dgm:pt modelId="{C4B223D0-B1CD-497A-BB52-18C4846F0CF7}" type="pres">
       <dgm:prSet presAssocID="{79E57F59-B507-46B3-9FD5-022112102343}" presName="Name37" presStyleLbl="parChTrans1D2" presStyleIdx="2" presStyleCnt="4"/>
       <dgm:spPr/>
+      <dgm:t>
+        <a:bodyPr/>
+        <a:lstStyle/>
+        <a:p>
+          <a:endParaRPr lang="fr-FR"/>
+        </a:p>
+      </dgm:t>
     </dgm:pt>
     <dgm:pt modelId="{A952325D-547A-4A8C-81E2-6D5BA44EB5EB}" type="pres">
       <dgm:prSet presAssocID="{F2429B99-A099-4A69-BC86-FF8044352C79}" presName="hierRoot2" presStyleCnt="0">
@@ -1546,6 +1652,13 @@
         </dgm:presLayoutVars>
       </dgm:prSet>
       <dgm:spPr/>
+      <dgm:t>
+        <a:bodyPr/>
+        <a:lstStyle/>
+        <a:p>
+          <a:endParaRPr lang="fr-FR"/>
+        </a:p>
+      </dgm:t>
     </dgm:pt>
     <dgm:pt modelId="{203FDB12-DF7A-4A24-A8F5-233B7D167F78}" type="pres">
       <dgm:prSet presAssocID="{F2429B99-A099-4A69-BC86-FF8044352C79}" presName="titleText2" presStyleLbl="fgAcc1" presStyleIdx="4" presStyleCnt="5">
@@ -1555,10 +1668,24 @@
         </dgm:presLayoutVars>
       </dgm:prSet>
       <dgm:spPr/>
+      <dgm:t>
+        <a:bodyPr/>
+        <a:lstStyle/>
+        <a:p>
+          <a:endParaRPr lang="fr-FR"/>
+        </a:p>
+      </dgm:t>
     </dgm:pt>
     <dgm:pt modelId="{D75DE49D-D668-455D-810F-CA135E0B12CD}" type="pres">
       <dgm:prSet presAssocID="{F2429B99-A099-4A69-BC86-FF8044352C79}" presName="rootConnector" presStyleLbl="node2" presStyleIdx="0" presStyleCnt="0"/>
       <dgm:spPr/>
+      <dgm:t>
+        <a:bodyPr/>
+        <a:lstStyle/>
+        <a:p>
+          <a:endParaRPr lang="fr-FR"/>
+        </a:p>
+      </dgm:t>
     </dgm:pt>
     <dgm:pt modelId="{F9D622D1-0757-4665-B3D7-3E69845EDB2D}" type="pres">
       <dgm:prSet presAssocID="{F2429B99-A099-4A69-BC86-FF8044352C79}" presName="hierChild4" presStyleCnt="0"/>
@@ -1575,6 +1702,13 @@
     <dgm:pt modelId="{E659BADB-0852-43BA-838A-9BAD763A6316}" type="pres">
       <dgm:prSet presAssocID="{A51994B5-F686-433D-853F-57EDE00B0075}" presName="Name96" presStyleLbl="parChTrans1D2" presStyleIdx="3" presStyleCnt="4"/>
       <dgm:spPr/>
+      <dgm:t>
+        <a:bodyPr/>
+        <a:lstStyle/>
+        <a:p>
+          <a:endParaRPr lang="fr-FR"/>
+        </a:p>
+      </dgm:t>
     </dgm:pt>
     <dgm:pt modelId="{E93D4BDA-BE7B-43B8-B87A-7ECA2A7A3DB1}" type="pres">
       <dgm:prSet presAssocID="{25FC1739-472F-46E8-AF28-2AA659E8555C}" presName="hierRoot3" presStyleCnt="0">
@@ -1611,10 +1745,24 @@
         </dgm:presLayoutVars>
       </dgm:prSet>
       <dgm:spPr/>
+      <dgm:t>
+        <a:bodyPr/>
+        <a:lstStyle/>
+        <a:p>
+          <a:endParaRPr lang="fr-FR"/>
+        </a:p>
+      </dgm:t>
     </dgm:pt>
     <dgm:pt modelId="{0D32961B-F387-4B38-9BAF-E84F84C2A840}" type="pres">
       <dgm:prSet presAssocID="{25FC1739-472F-46E8-AF28-2AA659E8555C}" presName="rootConnector3" presStyleLbl="asst1" presStyleIdx="0" presStyleCnt="1"/>
       <dgm:spPr/>
+      <dgm:t>
+        <a:bodyPr/>
+        <a:lstStyle/>
+        <a:p>
+          <a:endParaRPr lang="fr-FR"/>
+        </a:p>
+      </dgm:t>
     </dgm:pt>
     <dgm:pt modelId="{AD4E9D0E-8D74-42D1-83D3-21F7FA9D5E12}" type="pres">
       <dgm:prSet presAssocID="{25FC1739-472F-46E8-AF28-2AA659E8555C}" presName="hierChild6" presStyleCnt="0"/>
@@ -1626,39 +1774,39 @@
     </dgm:pt>
   </dgm:ptLst>
   <dgm:cxnLst>
+    <dgm:cxn modelId="{DBCED477-DEDE-4787-A6A7-062C19B79B1C}" srcId="{5C4055BC-051B-45C9-B182-5A42CC33E93B}" destId="{1D2FC5A6-F110-4355-9641-66A96C0E8C5F}" srcOrd="0" destOrd="0" parTransId="{2B0F6A30-B055-43AE-8D3A-C4B91BA48BAA}" sibTransId="{CD2E3023-8964-445F-A5CD-B7DF246A892C}"/>
+    <dgm:cxn modelId="{B57199CA-FCAC-4D8B-82E8-99059D6F401B}" type="presOf" srcId="{DACC219B-6A31-49E3-98F7-FEF9BAF811B1}" destId="{C4F8DF3C-FBB6-49C8-818F-649F525EFC2D}" srcOrd="0" destOrd="0" presId="urn:microsoft.com/office/officeart/2008/layout/NameandTitleOrganizationalChart"/>
+    <dgm:cxn modelId="{05535A8D-7F49-43BA-B112-194A6AFE54F7}" srcId="{1D2FC5A6-F110-4355-9641-66A96C0E8C5F}" destId="{E482D567-41C2-4C4F-8C21-62FC5B352369}" srcOrd="2" destOrd="0" parTransId="{F04B11F9-EA34-4E7C-A769-782E571266F0}" sibTransId="{2A1F8839-2483-4BC1-9571-B0C2F2221DF2}"/>
+    <dgm:cxn modelId="{F6701DA8-372F-474C-94E7-A58A5F04B153}" type="presOf" srcId="{1D2FC5A6-F110-4355-9641-66A96C0E8C5F}" destId="{1E5E21C8-53EA-4E61-9931-C203DE5CC850}" srcOrd="0" destOrd="0" presId="urn:microsoft.com/office/officeart/2008/layout/NameandTitleOrganizationalChart"/>
+    <dgm:cxn modelId="{E70BE395-3D64-492C-B668-75D1EFB3CBDE}" type="presOf" srcId="{9A9BA4F0-9650-4058-8C0E-4D054F893CEA}" destId="{517FF809-1EA1-44D9-9AA1-EE1CCACF8A07}" srcOrd="0" destOrd="0" presId="urn:microsoft.com/office/officeart/2008/layout/NameandTitleOrganizationalChart"/>
+    <dgm:cxn modelId="{E1A2A026-7835-4CF4-983A-1AB80E1524BB}" srcId="{E482D567-41C2-4C4F-8C21-62FC5B352369}" destId="{BC0F1B36-1771-4DC2-A086-A313116E3763}" srcOrd="0" destOrd="0" parTransId="{28708F4A-4A5F-4C23-9095-9CC50F75A4E5}" sibTransId="{A081F10B-8186-453B-B350-84572119CB8B}"/>
+    <dgm:cxn modelId="{E670AB55-FC3A-4FE6-90E1-A28387EF9E73}" type="presOf" srcId="{F2429B99-A099-4A69-BC86-FF8044352C79}" destId="{6A9D884B-72B7-446B-8023-DF4E33092A3F}" srcOrd="0" destOrd="0" presId="urn:microsoft.com/office/officeart/2008/layout/NameandTitleOrganizationalChart"/>
+    <dgm:cxn modelId="{662367EF-E2E9-42CD-9690-EA274FCD4DA0}" srcId="{1D2FC5A6-F110-4355-9641-66A96C0E8C5F}" destId="{25FC1739-472F-46E8-AF28-2AA659E8555C}" srcOrd="0" destOrd="0" parTransId="{A51994B5-F686-433D-853F-57EDE00B0075}" sibTransId="{DACC219B-6A31-49E3-98F7-FEF9BAF811B1}"/>
+    <dgm:cxn modelId="{09626148-3C09-4E4E-BCE7-5ED529809F90}" type="presOf" srcId="{8EB957E8-4774-4021-87D4-BBCC6F945EB2}" destId="{F127770C-3B00-4644-AA09-5C92F9FACBE7}" srcOrd="0" destOrd="0" presId="urn:microsoft.com/office/officeart/2008/layout/NameandTitleOrganizationalChart"/>
+    <dgm:cxn modelId="{A23D748D-0FDD-44C9-9409-C33594F1D311}" type="presOf" srcId="{28708F4A-4A5F-4C23-9095-9CC50F75A4E5}" destId="{0148A58B-3785-4C9C-B364-8DBC9C9FD689}" srcOrd="0" destOrd="0" presId="urn:microsoft.com/office/officeart/2008/layout/NameandTitleOrganizationalChart"/>
+    <dgm:cxn modelId="{E4C79AC9-440C-476A-A2E6-2244ADC70EDD}" type="presOf" srcId="{CD2E3023-8964-445F-A5CD-B7DF246A892C}" destId="{589A86D9-C791-422D-BA81-D1DCCB902B90}" srcOrd="0" destOrd="0" presId="urn:microsoft.com/office/officeart/2008/layout/NameandTitleOrganizationalChart"/>
+    <dgm:cxn modelId="{1F74F810-2383-45FC-98A2-10292F52946C}" type="presOf" srcId="{418F248A-F987-4C58-BB02-5240F1301C08}" destId="{BF0F25E3-30B5-41F8-946C-D44BC06FD9C8}" srcOrd="0" destOrd="0" presId="urn:microsoft.com/office/officeart/2008/layout/NameandTitleOrganizationalChart"/>
+    <dgm:cxn modelId="{899C8E54-E09D-4B4A-8463-433F76979EA4}" type="presOf" srcId="{75079169-F17A-4A4A-B26F-41E9CD0617FF}" destId="{B427F1A2-6704-4A2D-8CDB-0351B73567F1}" srcOrd="0" destOrd="0" presId="urn:microsoft.com/office/officeart/2008/layout/NameandTitleOrganizationalChart"/>
+    <dgm:cxn modelId="{E8238D9C-8C0E-4605-ADBC-8A5F921D2C19}" type="presOf" srcId="{4103D902-3890-4FA2-82CE-E499AAF29897}" destId="{089EBBBC-96F2-4758-88BD-6B3B447E9823}" srcOrd="0" destOrd="0" presId="urn:microsoft.com/office/officeart/2008/layout/NameandTitleOrganizationalChart"/>
+    <dgm:cxn modelId="{B1E9CEC1-9F5E-4C40-BC07-D834D32CCF12}" type="presOf" srcId="{E482D567-41C2-4C4F-8C21-62FC5B352369}" destId="{C62392D9-AAE2-4E80-964F-F969D293B527}" srcOrd="1" destOrd="0" presId="urn:microsoft.com/office/officeart/2008/layout/NameandTitleOrganizationalChart"/>
+    <dgm:cxn modelId="{546D8F7E-4EC7-446D-BAF0-0CB8F19DE468}" type="presOf" srcId="{F2429B99-A099-4A69-BC86-FF8044352C79}" destId="{D75DE49D-D668-455D-810F-CA135E0B12CD}" srcOrd="1" destOrd="0" presId="urn:microsoft.com/office/officeart/2008/layout/NameandTitleOrganizationalChart"/>
+    <dgm:cxn modelId="{6EE225AA-C1CD-44B4-A935-F052073F5C98}" type="presOf" srcId="{33037FC0-D58B-440C-AF7D-2A1677AF2C0A}" destId="{4085EC4F-4F01-492B-A914-8DE1E77204C6}" srcOrd="0" destOrd="0" presId="urn:microsoft.com/office/officeart/2008/layout/NameandTitleOrganizationalChart"/>
+    <dgm:cxn modelId="{1C44110B-1A45-4144-A5C3-6E6029EB4243}" type="presOf" srcId="{1D2FC5A6-F110-4355-9641-66A96C0E8C5F}" destId="{2B8E6030-74B4-472E-9B5F-F2A6ED2F4F67}" srcOrd="1" destOrd="0" presId="urn:microsoft.com/office/officeart/2008/layout/NameandTitleOrganizationalChart"/>
+    <dgm:cxn modelId="{29A8265B-AB0C-4DBF-BA0F-88E36C1EDD1A}" srcId="{E482D567-41C2-4C4F-8C21-62FC5B352369}" destId="{418F248A-F987-4C58-BB02-5240F1301C08}" srcOrd="1" destOrd="0" parTransId="{4103D902-3890-4FA2-82CE-E499AAF29897}" sibTransId="{75079169-F17A-4A4A-B26F-41E9CD0617FF}"/>
+    <dgm:cxn modelId="{124EF6E5-01B6-4AC3-A480-287484F65752}" type="presOf" srcId="{2A1F8839-2483-4BC1-9571-B0C2F2221DF2}" destId="{F32FA859-FFF2-4890-AE43-2FAB314C94FA}" srcOrd="0" destOrd="0" presId="urn:microsoft.com/office/officeart/2008/layout/NameandTitleOrganizationalChart"/>
+    <dgm:cxn modelId="{5596646B-83FB-4BA0-A362-7C1EB7E2DAA0}" type="presOf" srcId="{BC0F1B36-1771-4DC2-A086-A313116E3763}" destId="{F5F47991-3B02-490B-AF93-C306E97BEC1B}" srcOrd="1" destOrd="0" presId="urn:microsoft.com/office/officeart/2008/layout/NameandTitleOrganizationalChart"/>
+    <dgm:cxn modelId="{A768293A-71D5-4127-8DC4-A4670B857C63}" srcId="{1D2FC5A6-F110-4355-9641-66A96C0E8C5F}" destId="{F2429B99-A099-4A69-BC86-FF8044352C79}" srcOrd="3" destOrd="0" parTransId="{79E57F59-B507-46B3-9FD5-022112102343}" sibTransId="{D052066D-DAD3-4E98-9338-E8A44D765F48}"/>
+    <dgm:cxn modelId="{B39FE928-CA38-4E38-B5F5-87ECBE1D0B22}" type="presOf" srcId="{A081F10B-8186-453B-B350-84572119CB8B}" destId="{AC6ED420-8F11-46D5-ACD7-6B10AD5209F5}" srcOrd="0" destOrd="0" presId="urn:microsoft.com/office/officeart/2008/layout/NameandTitleOrganizationalChart"/>
+    <dgm:cxn modelId="{2FE4ACA8-5164-4FD4-AFE2-4060C36449ED}" type="presOf" srcId="{79E57F59-B507-46B3-9FD5-022112102343}" destId="{C4B223D0-B1CD-497A-BB52-18C4846F0CF7}" srcOrd="0" destOrd="0" presId="urn:microsoft.com/office/officeart/2008/layout/NameandTitleOrganizationalChart"/>
     <dgm:cxn modelId="{569FFFF2-55CA-4A53-A1B3-34928B3D5595}" type="presOf" srcId="{D052066D-DAD3-4E98-9338-E8A44D765F48}" destId="{203FDB12-DF7A-4A24-A8F5-233B7D167F78}" srcOrd="0" destOrd="0" presId="urn:microsoft.com/office/officeart/2008/layout/NameandTitleOrganizationalChart"/>
-    <dgm:cxn modelId="{E8238D9C-8C0E-4605-ADBC-8A5F921D2C19}" type="presOf" srcId="{4103D902-3890-4FA2-82CE-E499AAF29897}" destId="{089EBBBC-96F2-4758-88BD-6B3B447E9823}" srcOrd="0" destOrd="0" presId="urn:microsoft.com/office/officeart/2008/layout/NameandTitleOrganizationalChart"/>
-    <dgm:cxn modelId="{5596646B-83FB-4BA0-A362-7C1EB7E2DAA0}" type="presOf" srcId="{BC0F1B36-1771-4DC2-A086-A313116E3763}" destId="{F5F47991-3B02-490B-AF93-C306E97BEC1B}" srcOrd="1" destOrd="0" presId="urn:microsoft.com/office/officeart/2008/layout/NameandTitleOrganizationalChart"/>
-    <dgm:cxn modelId="{E670AB55-FC3A-4FE6-90E1-A28387EF9E73}" type="presOf" srcId="{F2429B99-A099-4A69-BC86-FF8044352C79}" destId="{6A9D884B-72B7-446B-8023-DF4E33092A3F}" srcOrd="0" destOrd="0" presId="urn:microsoft.com/office/officeart/2008/layout/NameandTitleOrganizationalChart"/>
-    <dgm:cxn modelId="{1F74F810-2383-45FC-98A2-10292F52946C}" type="presOf" srcId="{418F248A-F987-4C58-BB02-5240F1301C08}" destId="{BF0F25E3-30B5-41F8-946C-D44BC06FD9C8}" srcOrd="0" destOrd="0" presId="urn:microsoft.com/office/officeart/2008/layout/NameandTitleOrganizationalChart"/>
-    <dgm:cxn modelId="{E1A2A026-7835-4CF4-983A-1AB80E1524BB}" srcId="{E482D567-41C2-4C4F-8C21-62FC5B352369}" destId="{BC0F1B36-1771-4DC2-A086-A313116E3763}" srcOrd="0" destOrd="0" parTransId="{28708F4A-4A5F-4C23-9095-9CC50F75A4E5}" sibTransId="{A081F10B-8186-453B-B350-84572119CB8B}"/>
+    <dgm:cxn modelId="{28AB42E0-2DE6-4E82-AC08-9D9961570855}" type="presOf" srcId="{25FC1739-472F-46E8-AF28-2AA659E8555C}" destId="{229E14CC-ACA6-4D6A-86BB-027BF0819849}" srcOrd="0" destOrd="0" presId="urn:microsoft.com/office/officeart/2008/layout/NameandTitleOrganizationalChart"/>
+    <dgm:cxn modelId="{45620476-3D2B-4F02-834E-2D57C83F8ED5}" type="presOf" srcId="{9A9BA4F0-9650-4058-8C0E-4D054F893CEA}" destId="{2BA604EF-F73E-40E5-85A7-C1E3623226BD}" srcOrd="1" destOrd="0" presId="urn:microsoft.com/office/officeart/2008/layout/NameandTitleOrganizationalChart"/>
     <dgm:cxn modelId="{0BAF5EA7-89BD-4279-85D8-A7F3E46B7BBC}" type="presOf" srcId="{F04B11F9-EA34-4E7C-A769-782E571266F0}" destId="{65248744-C3BA-4246-9DD2-6A603E56B2F3}" srcOrd="0" destOrd="0" presId="urn:microsoft.com/office/officeart/2008/layout/NameandTitleOrganizationalChart"/>
-    <dgm:cxn modelId="{45620476-3D2B-4F02-834E-2D57C83F8ED5}" type="presOf" srcId="{9A9BA4F0-9650-4058-8C0E-4D054F893CEA}" destId="{2BA604EF-F73E-40E5-85A7-C1E3623226BD}" srcOrd="1" destOrd="0" presId="urn:microsoft.com/office/officeart/2008/layout/NameandTitleOrganizationalChart"/>
-    <dgm:cxn modelId="{05535A8D-7F49-43BA-B112-194A6AFE54F7}" srcId="{1D2FC5A6-F110-4355-9641-66A96C0E8C5F}" destId="{E482D567-41C2-4C4F-8C21-62FC5B352369}" srcOrd="2" destOrd="0" parTransId="{F04B11F9-EA34-4E7C-A769-782E571266F0}" sibTransId="{2A1F8839-2483-4BC1-9571-B0C2F2221DF2}"/>
+    <dgm:cxn modelId="{ADE457FA-19E8-4492-8DBD-C990CAE18ACA}" type="presOf" srcId="{5C4055BC-051B-45C9-B182-5A42CC33E93B}" destId="{E1096A6C-93AB-4C43-A823-95F5D0FCCFC9}" srcOrd="0" destOrd="0" presId="urn:microsoft.com/office/officeart/2008/layout/NameandTitleOrganizationalChart"/>
+    <dgm:cxn modelId="{67315A96-5902-43D2-9795-B364F342D3C9}" type="presOf" srcId="{418F248A-F987-4C58-BB02-5240F1301C08}" destId="{4A206C0F-73EA-46B1-B71B-81CFB4985DFA}" srcOrd="1" destOrd="0" presId="urn:microsoft.com/office/officeart/2008/layout/NameandTitleOrganizationalChart"/>
+    <dgm:cxn modelId="{72798E71-2F0D-4AF7-8917-5AF1D4CD3D58}" type="presOf" srcId="{BC0F1B36-1771-4DC2-A086-A313116E3763}" destId="{C96883B7-3123-4D82-A555-D644D774151F}" srcOrd="0" destOrd="0" presId="urn:microsoft.com/office/officeart/2008/layout/NameandTitleOrganizationalChart"/>
+    <dgm:cxn modelId="{9DD459DE-CF15-40DB-AA58-50F3A75C1ACA}" type="presOf" srcId="{25FC1739-472F-46E8-AF28-2AA659E8555C}" destId="{0D32961B-F387-4B38-9BAF-E84F84C2A840}" srcOrd="1" destOrd="0" presId="urn:microsoft.com/office/officeart/2008/layout/NameandTitleOrganizationalChart"/>
     <dgm:cxn modelId="{56EDE224-7B3B-490C-9B11-92F10F49635B}" type="presOf" srcId="{A51994B5-F686-433D-853F-57EDE00B0075}" destId="{E659BADB-0852-43BA-838A-9BAD763A6316}" srcOrd="0" destOrd="0" presId="urn:microsoft.com/office/officeart/2008/layout/NameandTitleOrganizationalChart"/>
-    <dgm:cxn modelId="{B1E9CEC1-9F5E-4C40-BC07-D834D32CCF12}" type="presOf" srcId="{E482D567-41C2-4C4F-8C21-62FC5B352369}" destId="{C62392D9-AAE2-4E80-964F-F969D293B527}" srcOrd="1" destOrd="0" presId="urn:microsoft.com/office/officeart/2008/layout/NameandTitleOrganizationalChart"/>
-    <dgm:cxn modelId="{2FE4ACA8-5164-4FD4-AFE2-4060C36449ED}" type="presOf" srcId="{79E57F59-B507-46B3-9FD5-022112102343}" destId="{C4B223D0-B1CD-497A-BB52-18C4846F0CF7}" srcOrd="0" destOrd="0" presId="urn:microsoft.com/office/officeart/2008/layout/NameandTitleOrganizationalChart"/>
-    <dgm:cxn modelId="{9DD459DE-CF15-40DB-AA58-50F3A75C1ACA}" type="presOf" srcId="{25FC1739-472F-46E8-AF28-2AA659E8555C}" destId="{0D32961B-F387-4B38-9BAF-E84F84C2A840}" srcOrd="1" destOrd="0" presId="urn:microsoft.com/office/officeart/2008/layout/NameandTitleOrganizationalChart"/>
-    <dgm:cxn modelId="{67315A96-5902-43D2-9795-B364F342D3C9}" type="presOf" srcId="{418F248A-F987-4C58-BB02-5240F1301C08}" destId="{4A206C0F-73EA-46B1-B71B-81CFB4985DFA}" srcOrd="1" destOrd="0" presId="urn:microsoft.com/office/officeart/2008/layout/NameandTitleOrganizationalChart"/>
-    <dgm:cxn modelId="{1C44110B-1A45-4144-A5C3-6E6029EB4243}" type="presOf" srcId="{1D2FC5A6-F110-4355-9641-66A96C0E8C5F}" destId="{2B8E6030-74B4-472E-9B5F-F2A6ED2F4F67}" srcOrd="1" destOrd="0" presId="urn:microsoft.com/office/officeart/2008/layout/NameandTitleOrganizationalChart"/>
-    <dgm:cxn modelId="{DBCED477-DEDE-4787-A6A7-062C19B79B1C}" srcId="{5C4055BC-051B-45C9-B182-5A42CC33E93B}" destId="{1D2FC5A6-F110-4355-9641-66A96C0E8C5F}" srcOrd="0" destOrd="0" parTransId="{2B0F6A30-B055-43AE-8D3A-C4B91BA48BAA}" sibTransId="{CD2E3023-8964-445F-A5CD-B7DF246A892C}"/>
-    <dgm:cxn modelId="{09626148-3C09-4E4E-BCE7-5ED529809F90}" type="presOf" srcId="{8EB957E8-4774-4021-87D4-BBCC6F945EB2}" destId="{F127770C-3B00-4644-AA09-5C92F9FACBE7}" srcOrd="0" destOrd="0" presId="urn:microsoft.com/office/officeart/2008/layout/NameandTitleOrganizationalChart"/>
-    <dgm:cxn modelId="{899C8E54-E09D-4B4A-8463-433F76979EA4}" type="presOf" srcId="{75079169-F17A-4A4A-B26F-41E9CD0617FF}" destId="{B427F1A2-6704-4A2D-8CDB-0351B73567F1}" srcOrd="0" destOrd="0" presId="urn:microsoft.com/office/officeart/2008/layout/NameandTitleOrganizationalChart"/>
-    <dgm:cxn modelId="{ADE457FA-19E8-4492-8DBD-C990CAE18ACA}" type="presOf" srcId="{5C4055BC-051B-45C9-B182-5A42CC33E93B}" destId="{E1096A6C-93AB-4C43-A823-95F5D0FCCFC9}" srcOrd="0" destOrd="0" presId="urn:microsoft.com/office/officeart/2008/layout/NameandTitleOrganizationalChart"/>
-    <dgm:cxn modelId="{A768293A-71D5-4127-8DC4-A4670B857C63}" srcId="{1D2FC5A6-F110-4355-9641-66A96C0E8C5F}" destId="{F2429B99-A099-4A69-BC86-FF8044352C79}" srcOrd="3" destOrd="0" parTransId="{79E57F59-B507-46B3-9FD5-022112102343}" sibTransId="{D052066D-DAD3-4E98-9338-E8A44D765F48}"/>
-    <dgm:cxn modelId="{72798E71-2F0D-4AF7-8917-5AF1D4CD3D58}" type="presOf" srcId="{BC0F1B36-1771-4DC2-A086-A313116E3763}" destId="{C96883B7-3123-4D82-A555-D644D774151F}" srcOrd="0" destOrd="0" presId="urn:microsoft.com/office/officeart/2008/layout/NameandTitleOrganizationalChart"/>
-    <dgm:cxn modelId="{E70BE395-3D64-492C-B668-75D1EFB3CBDE}" type="presOf" srcId="{9A9BA4F0-9650-4058-8C0E-4D054F893CEA}" destId="{517FF809-1EA1-44D9-9AA1-EE1CCACF8A07}" srcOrd="0" destOrd="0" presId="urn:microsoft.com/office/officeart/2008/layout/NameandTitleOrganizationalChart"/>
-    <dgm:cxn modelId="{124EF6E5-01B6-4AC3-A480-287484F65752}" type="presOf" srcId="{2A1F8839-2483-4BC1-9571-B0C2F2221DF2}" destId="{F32FA859-FFF2-4890-AE43-2FAB314C94FA}" srcOrd="0" destOrd="0" presId="urn:microsoft.com/office/officeart/2008/layout/NameandTitleOrganizationalChart"/>
-    <dgm:cxn modelId="{29A8265B-AB0C-4DBF-BA0F-88E36C1EDD1A}" srcId="{E482D567-41C2-4C4F-8C21-62FC5B352369}" destId="{418F248A-F987-4C58-BB02-5240F1301C08}" srcOrd="1" destOrd="0" parTransId="{4103D902-3890-4FA2-82CE-E499AAF29897}" sibTransId="{75079169-F17A-4A4A-B26F-41E9CD0617FF}"/>
-    <dgm:cxn modelId="{546D8F7E-4EC7-446D-BAF0-0CB8F19DE468}" type="presOf" srcId="{F2429B99-A099-4A69-BC86-FF8044352C79}" destId="{D75DE49D-D668-455D-810F-CA135E0B12CD}" srcOrd="1" destOrd="0" presId="urn:microsoft.com/office/officeart/2008/layout/NameandTitleOrganizationalChart"/>
-    <dgm:cxn modelId="{A23D748D-0FDD-44C9-9409-C33594F1D311}" type="presOf" srcId="{28708F4A-4A5F-4C23-9095-9CC50F75A4E5}" destId="{0148A58B-3785-4C9C-B364-8DBC9C9FD689}" srcOrd="0" destOrd="0" presId="urn:microsoft.com/office/officeart/2008/layout/NameandTitleOrganizationalChart"/>
-    <dgm:cxn modelId="{6EE225AA-C1CD-44B4-A935-F052073F5C98}" type="presOf" srcId="{33037FC0-D58B-440C-AF7D-2A1677AF2C0A}" destId="{4085EC4F-4F01-492B-A914-8DE1E77204C6}" srcOrd="0" destOrd="0" presId="urn:microsoft.com/office/officeart/2008/layout/NameandTitleOrganizationalChart"/>
-    <dgm:cxn modelId="{662367EF-E2E9-42CD-9690-EA274FCD4DA0}" srcId="{1D2FC5A6-F110-4355-9641-66A96C0E8C5F}" destId="{25FC1739-472F-46E8-AF28-2AA659E8555C}" srcOrd="0" destOrd="0" parTransId="{A51994B5-F686-433D-853F-57EDE00B0075}" sibTransId="{DACC219B-6A31-49E3-98F7-FEF9BAF811B1}"/>
-    <dgm:cxn modelId="{B39FE928-CA38-4E38-B5F5-87ECBE1D0B22}" type="presOf" srcId="{A081F10B-8186-453B-B350-84572119CB8B}" destId="{AC6ED420-8F11-46D5-ACD7-6B10AD5209F5}" srcOrd="0" destOrd="0" presId="urn:microsoft.com/office/officeart/2008/layout/NameandTitleOrganizationalChart"/>
-    <dgm:cxn modelId="{B57199CA-FCAC-4D8B-82E8-99059D6F401B}" type="presOf" srcId="{DACC219B-6A31-49E3-98F7-FEF9BAF811B1}" destId="{C4F8DF3C-FBB6-49C8-818F-649F525EFC2D}" srcOrd="0" destOrd="0" presId="urn:microsoft.com/office/officeart/2008/layout/NameandTitleOrganizationalChart"/>
-    <dgm:cxn modelId="{28AB42E0-2DE6-4E82-AC08-9D9961570855}" type="presOf" srcId="{25FC1739-472F-46E8-AF28-2AA659E8555C}" destId="{229E14CC-ACA6-4D6A-86BB-027BF0819849}" srcOrd="0" destOrd="0" presId="urn:microsoft.com/office/officeart/2008/layout/NameandTitleOrganizationalChart"/>
-    <dgm:cxn modelId="{E4C79AC9-440C-476A-A2E6-2244ADC70EDD}" type="presOf" srcId="{CD2E3023-8964-445F-A5CD-B7DF246A892C}" destId="{589A86D9-C791-422D-BA81-D1DCCB902B90}" srcOrd="0" destOrd="0" presId="urn:microsoft.com/office/officeart/2008/layout/NameandTitleOrganizationalChart"/>
-    <dgm:cxn modelId="{F6701DA8-372F-474C-94E7-A58A5F04B153}" type="presOf" srcId="{1D2FC5A6-F110-4355-9641-66A96C0E8C5F}" destId="{1E5E21C8-53EA-4E61-9931-C203DE5CC850}" srcOrd="0" destOrd="0" presId="urn:microsoft.com/office/officeart/2008/layout/NameandTitleOrganizationalChart"/>
     <dgm:cxn modelId="{AFF2FE19-A3A6-4D9A-81F0-19F4976AAD4E}" type="presOf" srcId="{E482D567-41C2-4C4F-8C21-62FC5B352369}" destId="{E9E517AD-6D6C-4AE2-8124-62FDDC6BFECF}" srcOrd="0" destOrd="0" presId="urn:microsoft.com/office/officeart/2008/layout/NameandTitleOrganizationalChart"/>
     <dgm:cxn modelId="{A36FEFCC-B51E-433F-ABD3-C50E3DA6F7B2}" srcId="{1D2FC5A6-F110-4355-9641-66A96C0E8C5F}" destId="{9A9BA4F0-9650-4058-8C0E-4D054F893CEA}" srcOrd="1" destOrd="0" parTransId="{33037FC0-D58B-440C-AF7D-2A1677AF2C0A}" sibTransId="{8EB957E8-4774-4021-87D4-BBCC6F945EB2}"/>
     <dgm:cxn modelId="{9A43FD40-098C-44E7-9A1D-0C22C67BA776}" type="presParOf" srcId="{E1096A6C-93AB-4C43-A823-95F5D0FCCFC9}" destId="{6978D114-96D3-46DF-A9D5-59B877EF459F}" srcOrd="0" destOrd="0" presId="urn:microsoft.com/office/officeart/2008/layout/NameandTitleOrganizationalChart"/>
@@ -1721,14 +1869,14 @@
   <dgm:whole/>
   <dgm:extLst>
     <a:ext uri="http://schemas.microsoft.com/office/drawing/2008/diagram">
-      <dsp:dataModelExt xmlns:dsp="http://schemas.microsoft.com/office/drawing/2008/diagram" relId="rId6" minVer="http://schemas.openxmlformats.org/drawingml/2006/diagram"/>
+      <dsp:dataModelExt xmlns:dsp="http://schemas.microsoft.com/office/drawing/2008/diagram" xmlns="" relId="rId6" minVer="http://schemas.openxmlformats.org/drawingml/2006/diagram"/>
     </a:ext>
   </dgm:extLst>
 </dgm:dataModel>
 </file>
 
 <file path=ppt/diagrams/drawing1.xml><?xml version="1.0" encoding="utf-8"?>
-<dsp:drawing xmlns:dgm="http://schemas.openxmlformats.org/drawingml/2006/diagram" xmlns:dsp="http://schemas.microsoft.com/office/drawing/2008/diagram" xmlns:a="http://schemas.openxmlformats.org/drawingml/2006/main">
+<dsp:drawing xmlns:dgm="http://schemas.openxmlformats.org/drawingml/2006/diagram" xmlns:a="http://schemas.openxmlformats.org/drawingml/2006/main" xmlns:dsp="http://schemas.microsoft.com/office/drawing/2008/diagram">
   <dsp:spTree>
     <dsp:nvGrpSpPr>
       <dsp:cNvPr id="0" name=""/>
@@ -2552,12 +2700,12 @@
         <a:fontRef idx="minor"/>
       </dsp:style>
       <dsp:txBody>
-        <a:bodyPr spcFirstLastPara="0" vert="horz" wrap="square" lIns="25400" tIns="6350" rIns="25400" bIns="6350" numCol="1" spcCol="1270" anchor="ctr" anchorCtr="0">
+        <a:bodyPr spcFirstLastPara="0" vert="horz" wrap="square" lIns="27940" tIns="6985" rIns="27940" bIns="6985" numCol="1" spcCol="1270" anchor="ctr" anchorCtr="0">
           <a:noAutofit/>
         </a:bodyPr>
         <a:lstStyle/>
         <a:p>
-          <a:pPr lvl="0" algn="ctr" defTabSz="444500">
+          <a:pPr lvl="0" algn="ctr" defTabSz="488950">
             <a:lnSpc>
               <a:spcPct val="90000"/>
             </a:lnSpc>
@@ -2569,10 +2717,18 @@
             </a:spcAft>
           </a:pPr>
           <a:r>
-            <a:rPr lang="fr-FR" sz="1000" kern="1200" dirty="0" smtClean="0"/>
-            <a:t>M. Lecompte et M. Bobillier</a:t>
+            <a:rPr lang="fr-FR" sz="1100" kern="1200" dirty="0" smtClean="0"/>
+            <a:t>M. </a:t>
           </a:r>
-          <a:endParaRPr lang="fr-FR" sz="1000" kern="1200" dirty="0"/>
+          <a:r>
+            <a:rPr lang="fr-FR" sz="1100" kern="1200" dirty="0" smtClean="0"/>
+            <a:t>Lecomte </a:t>
+          </a:r>
+          <a:r>
+            <a:rPr lang="fr-FR" sz="1100" kern="1200" dirty="0" smtClean="0"/>
+            <a:t>et M. Bobillier</a:t>
+          </a:r>
+          <a:endParaRPr lang="fr-FR" sz="1100" kern="1200" dirty="0"/>
         </a:p>
       </dsp:txBody>
       <dsp:txXfrm>
@@ -2727,7 +2883,7 @@
           </a:pPr>
           <a:r>
             <a:rPr lang="fr-FR" sz="1000" kern="1200" dirty="0" err="1" smtClean="0"/>
-            <a:t>M.Lecompte</a:t>
+            <a:t>M.Lecomte</a:t>
           </a:r>
           <a:r>
             <a:rPr lang="fr-FR" sz="2000" kern="1200" dirty="0" smtClean="0"/>
@@ -5562,7 +5718,8 @@
           <a:p>
             <a:fld id="{26F5B56C-5653-4EA2-814B-694C0D99D52C}" type="datetimeFigureOut">
               <a:rPr lang="fr-CH" smtClean="0"/>
-              <a:t>06.03.2018</a:t>
+              <a:pPr/>
+              <a:t>12.03.2018</a:t>
             </a:fld>
             <a:endParaRPr lang="fr-CH"/>
           </a:p>
@@ -5604,6 +5761,7 @@
           <a:p>
             <a:fld id="{D930AC7D-F4F5-4E64-9D96-4EC5841B1CAF}" type="slidenum">
               <a:rPr lang="fr-CH" smtClean="0"/>
+              <a:pPr/>
               <a:t>‹N°›</a:t>
             </a:fld>
             <a:endParaRPr lang="fr-CH"/>
@@ -5613,7 +5771,7 @@
     </p:spTree>
     <p:extLst>
       <p:ext uri="{BB962C8B-B14F-4D97-AF65-F5344CB8AC3E}">
-        <p14:creationId xmlns:p14="http://schemas.microsoft.com/office/powerpoint/2010/main" val="1717444866"/>
+        <p14:creationId xmlns:p14="http://schemas.microsoft.com/office/powerpoint/2010/main" xmlns="" val="1717444866"/>
       </p:ext>
     </p:extLst>
   </p:cSld>
@@ -5732,7 +5890,8 @@
           <a:p>
             <a:fld id="{26F5B56C-5653-4EA2-814B-694C0D99D52C}" type="datetimeFigureOut">
               <a:rPr lang="fr-CH" smtClean="0"/>
-              <a:t>06.03.2018</a:t>
+              <a:pPr/>
+              <a:t>12.03.2018</a:t>
             </a:fld>
             <a:endParaRPr lang="fr-CH"/>
           </a:p>
@@ -5774,6 +5933,7 @@
           <a:p>
             <a:fld id="{D930AC7D-F4F5-4E64-9D96-4EC5841B1CAF}" type="slidenum">
               <a:rPr lang="fr-CH" smtClean="0"/>
+              <a:pPr/>
               <a:t>‹N°›</a:t>
             </a:fld>
             <a:endParaRPr lang="fr-CH"/>
@@ -5783,7 +5943,7 @@
     </p:spTree>
     <p:extLst>
       <p:ext uri="{BB962C8B-B14F-4D97-AF65-F5344CB8AC3E}">
-        <p14:creationId xmlns:p14="http://schemas.microsoft.com/office/powerpoint/2010/main" val="472672180"/>
+        <p14:creationId xmlns:p14="http://schemas.microsoft.com/office/powerpoint/2010/main" xmlns="" val="472672180"/>
       </p:ext>
     </p:extLst>
   </p:cSld>
@@ -5912,7 +6072,8 @@
           <a:p>
             <a:fld id="{26F5B56C-5653-4EA2-814B-694C0D99D52C}" type="datetimeFigureOut">
               <a:rPr lang="fr-CH" smtClean="0"/>
-              <a:t>06.03.2018</a:t>
+              <a:pPr/>
+              <a:t>12.03.2018</a:t>
             </a:fld>
             <a:endParaRPr lang="fr-CH"/>
           </a:p>
@@ -5954,6 +6115,7 @@
           <a:p>
             <a:fld id="{D930AC7D-F4F5-4E64-9D96-4EC5841B1CAF}" type="slidenum">
               <a:rPr lang="fr-CH" smtClean="0"/>
+              <a:pPr/>
               <a:t>‹N°›</a:t>
             </a:fld>
             <a:endParaRPr lang="fr-CH"/>
@@ -5963,7 +6125,7 @@
     </p:spTree>
     <p:extLst>
       <p:ext uri="{BB962C8B-B14F-4D97-AF65-F5344CB8AC3E}">
-        <p14:creationId xmlns:p14="http://schemas.microsoft.com/office/powerpoint/2010/main" val="2936149209"/>
+        <p14:creationId xmlns:p14="http://schemas.microsoft.com/office/powerpoint/2010/main" xmlns="" val="2936149209"/>
       </p:ext>
     </p:extLst>
   </p:cSld>
@@ -6082,7 +6244,8 @@
           <a:p>
             <a:fld id="{26F5B56C-5653-4EA2-814B-694C0D99D52C}" type="datetimeFigureOut">
               <a:rPr lang="fr-CH" smtClean="0"/>
-              <a:t>06.03.2018</a:t>
+              <a:pPr/>
+              <a:t>12.03.2018</a:t>
             </a:fld>
             <a:endParaRPr lang="fr-CH"/>
           </a:p>
@@ -6124,6 +6287,7 @@
           <a:p>
             <a:fld id="{D930AC7D-F4F5-4E64-9D96-4EC5841B1CAF}" type="slidenum">
               <a:rPr lang="fr-CH" smtClean="0"/>
+              <a:pPr/>
               <a:t>‹N°›</a:t>
             </a:fld>
             <a:endParaRPr lang="fr-CH"/>
@@ -6133,7 +6297,7 @@
     </p:spTree>
     <p:extLst>
       <p:ext uri="{BB962C8B-B14F-4D97-AF65-F5344CB8AC3E}">
-        <p14:creationId xmlns:p14="http://schemas.microsoft.com/office/powerpoint/2010/main" val="2792621828"/>
+        <p14:creationId xmlns:p14="http://schemas.microsoft.com/office/powerpoint/2010/main" xmlns="" val="2792621828"/>
       </p:ext>
     </p:extLst>
   </p:cSld>
@@ -6328,7 +6492,8 @@
           <a:p>
             <a:fld id="{26F5B56C-5653-4EA2-814B-694C0D99D52C}" type="datetimeFigureOut">
               <a:rPr lang="fr-CH" smtClean="0"/>
-              <a:t>06.03.2018</a:t>
+              <a:pPr/>
+              <a:t>12.03.2018</a:t>
             </a:fld>
             <a:endParaRPr lang="fr-CH"/>
           </a:p>
@@ -6370,6 +6535,7 @@
           <a:p>
             <a:fld id="{D930AC7D-F4F5-4E64-9D96-4EC5841B1CAF}" type="slidenum">
               <a:rPr lang="fr-CH" smtClean="0"/>
+              <a:pPr/>
               <a:t>‹N°›</a:t>
             </a:fld>
             <a:endParaRPr lang="fr-CH"/>
@@ -6379,7 +6545,7 @@
     </p:spTree>
     <p:extLst>
       <p:ext uri="{BB962C8B-B14F-4D97-AF65-F5344CB8AC3E}">
-        <p14:creationId xmlns:p14="http://schemas.microsoft.com/office/powerpoint/2010/main" val="1408348283"/>
+        <p14:creationId xmlns:p14="http://schemas.microsoft.com/office/powerpoint/2010/main" xmlns="" val="1408348283"/>
       </p:ext>
     </p:extLst>
   </p:cSld>
@@ -6560,7 +6726,8 @@
           <a:p>
             <a:fld id="{26F5B56C-5653-4EA2-814B-694C0D99D52C}" type="datetimeFigureOut">
               <a:rPr lang="fr-CH" smtClean="0"/>
-              <a:t>06.03.2018</a:t>
+              <a:pPr/>
+              <a:t>12.03.2018</a:t>
             </a:fld>
             <a:endParaRPr lang="fr-CH"/>
           </a:p>
@@ -6602,6 +6769,7 @@
           <a:p>
             <a:fld id="{D930AC7D-F4F5-4E64-9D96-4EC5841B1CAF}" type="slidenum">
               <a:rPr lang="fr-CH" smtClean="0"/>
+              <a:pPr/>
               <a:t>‹N°›</a:t>
             </a:fld>
             <a:endParaRPr lang="fr-CH"/>
@@ -6611,7 +6779,7 @@
     </p:spTree>
     <p:extLst>
       <p:ext uri="{BB962C8B-B14F-4D97-AF65-F5344CB8AC3E}">
-        <p14:creationId xmlns:p14="http://schemas.microsoft.com/office/powerpoint/2010/main" val="1397052715"/>
+        <p14:creationId xmlns:p14="http://schemas.microsoft.com/office/powerpoint/2010/main" xmlns="" val="1397052715"/>
       </p:ext>
     </p:extLst>
   </p:cSld>
@@ -6927,7 +7095,8 @@
           <a:p>
             <a:fld id="{26F5B56C-5653-4EA2-814B-694C0D99D52C}" type="datetimeFigureOut">
               <a:rPr lang="fr-CH" smtClean="0"/>
-              <a:t>06.03.2018</a:t>
+              <a:pPr/>
+              <a:t>12.03.2018</a:t>
             </a:fld>
             <a:endParaRPr lang="fr-CH"/>
           </a:p>
@@ -6969,6 +7138,7 @@
           <a:p>
             <a:fld id="{D930AC7D-F4F5-4E64-9D96-4EC5841B1CAF}" type="slidenum">
               <a:rPr lang="fr-CH" smtClean="0"/>
+              <a:pPr/>
               <a:t>‹N°›</a:t>
             </a:fld>
             <a:endParaRPr lang="fr-CH"/>
@@ -6978,7 +7148,7 @@
     </p:spTree>
     <p:extLst>
       <p:ext uri="{BB962C8B-B14F-4D97-AF65-F5344CB8AC3E}">
-        <p14:creationId xmlns:p14="http://schemas.microsoft.com/office/powerpoint/2010/main" val="3909581421"/>
+        <p14:creationId xmlns:p14="http://schemas.microsoft.com/office/powerpoint/2010/main" xmlns="" val="3909581421"/>
       </p:ext>
     </p:extLst>
   </p:cSld>
@@ -7045,7 +7215,8 @@
           <a:p>
             <a:fld id="{26F5B56C-5653-4EA2-814B-694C0D99D52C}" type="datetimeFigureOut">
               <a:rPr lang="fr-CH" smtClean="0"/>
-              <a:t>06.03.2018</a:t>
+              <a:pPr/>
+              <a:t>12.03.2018</a:t>
             </a:fld>
             <a:endParaRPr lang="fr-CH"/>
           </a:p>
@@ -7087,6 +7258,7 @@
           <a:p>
             <a:fld id="{D930AC7D-F4F5-4E64-9D96-4EC5841B1CAF}" type="slidenum">
               <a:rPr lang="fr-CH" smtClean="0"/>
+              <a:pPr/>
               <a:t>‹N°›</a:t>
             </a:fld>
             <a:endParaRPr lang="fr-CH"/>
@@ -7096,7 +7268,7 @@
     </p:spTree>
     <p:extLst>
       <p:ext uri="{BB962C8B-B14F-4D97-AF65-F5344CB8AC3E}">
-        <p14:creationId xmlns:p14="http://schemas.microsoft.com/office/powerpoint/2010/main" val="4026123267"/>
+        <p14:creationId xmlns:p14="http://schemas.microsoft.com/office/powerpoint/2010/main" xmlns="" val="4026123267"/>
       </p:ext>
     </p:extLst>
   </p:cSld>
@@ -7140,7 +7312,8 @@
           <a:p>
             <a:fld id="{26F5B56C-5653-4EA2-814B-694C0D99D52C}" type="datetimeFigureOut">
               <a:rPr lang="fr-CH" smtClean="0"/>
-              <a:t>06.03.2018</a:t>
+              <a:pPr/>
+              <a:t>12.03.2018</a:t>
             </a:fld>
             <a:endParaRPr lang="fr-CH"/>
           </a:p>
@@ -7182,6 +7355,7 @@
           <a:p>
             <a:fld id="{D930AC7D-F4F5-4E64-9D96-4EC5841B1CAF}" type="slidenum">
               <a:rPr lang="fr-CH" smtClean="0"/>
+              <a:pPr/>
               <a:t>‹N°›</a:t>
             </a:fld>
             <a:endParaRPr lang="fr-CH"/>
@@ -7191,7 +7365,7 @@
     </p:spTree>
     <p:extLst>
       <p:ext uri="{BB962C8B-B14F-4D97-AF65-F5344CB8AC3E}">
-        <p14:creationId xmlns:p14="http://schemas.microsoft.com/office/powerpoint/2010/main" val="3756995201"/>
+        <p14:creationId xmlns:p14="http://schemas.microsoft.com/office/powerpoint/2010/main" xmlns="" val="3756995201"/>
       </p:ext>
     </p:extLst>
   </p:cSld>
@@ -7417,7 +7591,8 @@
           <a:p>
             <a:fld id="{26F5B56C-5653-4EA2-814B-694C0D99D52C}" type="datetimeFigureOut">
               <a:rPr lang="fr-CH" smtClean="0"/>
-              <a:t>06.03.2018</a:t>
+              <a:pPr/>
+              <a:t>12.03.2018</a:t>
             </a:fld>
             <a:endParaRPr lang="fr-CH"/>
           </a:p>
@@ -7459,6 +7634,7 @@
           <a:p>
             <a:fld id="{D930AC7D-F4F5-4E64-9D96-4EC5841B1CAF}" type="slidenum">
               <a:rPr lang="fr-CH" smtClean="0"/>
+              <a:pPr/>
               <a:t>‹N°›</a:t>
             </a:fld>
             <a:endParaRPr lang="fr-CH"/>
@@ -7468,7 +7644,7 @@
     </p:spTree>
     <p:extLst>
       <p:ext uri="{BB962C8B-B14F-4D97-AF65-F5344CB8AC3E}">
-        <p14:creationId xmlns:p14="http://schemas.microsoft.com/office/powerpoint/2010/main" val="870094942"/>
+        <p14:creationId xmlns:p14="http://schemas.microsoft.com/office/powerpoint/2010/main" xmlns="" val="870094942"/>
       </p:ext>
     </p:extLst>
   </p:cSld>
@@ -7670,7 +7846,8 @@
           <a:p>
             <a:fld id="{26F5B56C-5653-4EA2-814B-694C0D99D52C}" type="datetimeFigureOut">
               <a:rPr lang="fr-CH" smtClean="0"/>
-              <a:t>06.03.2018</a:t>
+              <a:pPr/>
+              <a:t>12.03.2018</a:t>
             </a:fld>
             <a:endParaRPr lang="fr-CH"/>
           </a:p>
@@ -7712,6 +7889,7 @@
           <a:p>
             <a:fld id="{D930AC7D-F4F5-4E64-9D96-4EC5841B1CAF}" type="slidenum">
               <a:rPr lang="fr-CH" smtClean="0"/>
+              <a:pPr/>
               <a:t>‹N°›</a:t>
             </a:fld>
             <a:endParaRPr lang="fr-CH"/>
@@ -7721,7 +7899,7 @@
     </p:spTree>
     <p:extLst>
       <p:ext uri="{BB962C8B-B14F-4D97-AF65-F5344CB8AC3E}">
-        <p14:creationId xmlns:p14="http://schemas.microsoft.com/office/powerpoint/2010/main" val="201304163"/>
+        <p14:creationId xmlns:p14="http://schemas.microsoft.com/office/powerpoint/2010/main" xmlns="" val="201304163"/>
       </p:ext>
     </p:extLst>
   </p:cSld>
@@ -7883,7 +8061,8 @@
           <a:p>
             <a:fld id="{26F5B56C-5653-4EA2-814B-694C0D99D52C}" type="datetimeFigureOut">
               <a:rPr lang="fr-CH" smtClean="0"/>
-              <a:t>06.03.2018</a:t>
+              <a:pPr/>
+              <a:t>12.03.2018</a:t>
             </a:fld>
             <a:endParaRPr lang="fr-CH"/>
           </a:p>
@@ -7961,6 +8140,7 @@
           <a:p>
             <a:fld id="{D930AC7D-F4F5-4E64-9D96-4EC5841B1CAF}" type="slidenum">
               <a:rPr lang="fr-CH" smtClean="0"/>
+              <a:pPr/>
               <a:t>‹N°›</a:t>
             </a:fld>
             <a:endParaRPr lang="fr-CH"/>
@@ -7970,7 +8150,7 @@
     </p:spTree>
     <p:extLst>
       <p:ext uri="{BB962C8B-B14F-4D97-AF65-F5344CB8AC3E}">
-        <p14:creationId xmlns:p14="http://schemas.microsoft.com/office/powerpoint/2010/main" val="2642517244"/>
+        <p14:creationId xmlns:p14="http://schemas.microsoft.com/office/powerpoint/2010/main" xmlns="" val="2642517244"/>
       </p:ext>
     </p:extLst>
   </p:cSld>
@@ -8578,11 +8758,7 @@
           <a:p>
             <a:r>
               <a:rPr lang="fr-CH" sz="1400" dirty="0" smtClean="0"/>
-              <a:t>M. </a:t>
-            </a:r>
-            <a:r>
-              <a:rPr lang="fr-CH" sz="1400" dirty="0" smtClean="0"/>
-              <a:t>Botton</a:t>
+              <a:t>M. Botton</a:t>
             </a:r>
           </a:p>
         </p:txBody>
@@ -8919,7 +9095,7 @@
     </p:spTree>
     <p:extLst>
       <p:ext uri="{BB962C8B-B14F-4D97-AF65-F5344CB8AC3E}">
-        <p14:creationId xmlns:p14="http://schemas.microsoft.com/office/powerpoint/2010/main" val="4055505030"/>
+        <p14:creationId xmlns:p14="http://schemas.microsoft.com/office/powerpoint/2010/main" xmlns="" val="4055505030"/>
       </p:ext>
     </p:extLst>
   </p:cSld>
@@ -8953,7 +9129,7 @@
           <p:nvPr>
             <p:extLst>
               <p:ext uri="{D42A27DB-BD31-4B8C-83A1-F6EECF244321}">
-                <p14:modId xmlns:p14="http://schemas.microsoft.com/office/powerpoint/2010/main" val="565479842"/>
+                <p14:modId xmlns:p14="http://schemas.microsoft.com/office/powerpoint/2010/main" xmlns="" val="565479842"/>
               </p:ext>
             </p:extLst>
           </p:nvPr>
@@ -8971,7 +9147,7 @@
     </p:spTree>
     <p:extLst>
       <p:ext uri="{BB962C8B-B14F-4D97-AF65-F5344CB8AC3E}">
-        <p14:creationId xmlns:p14="http://schemas.microsoft.com/office/powerpoint/2010/main" val="1078762158"/>
+        <p14:creationId xmlns:p14="http://schemas.microsoft.com/office/powerpoint/2010/main" xmlns="" val="1078762158"/>
       </p:ext>
     </p:extLst>
   </p:cSld>
@@ -9024,7 +9200,7 @@
     </a:clrScheme>
     <a:fontScheme name="Office">
       <a:majorFont>
-        <a:latin typeface="Calibri Light" panose="020F0302020204030204"/>
+        <a:latin typeface="Calibri Light"/>
         <a:ea typeface=""/>
         <a:cs typeface=""/>
         <a:font script="Jpan" typeface="游ゴシック Light"/>
@@ -9059,7 +9235,7 @@
         <a:font script="Geor" typeface="Sylfaen"/>
       </a:majorFont>
       <a:minorFont>
-        <a:latin typeface="Calibri" panose="020F0502020204030204"/>
+        <a:latin typeface="Calibri"/>
         <a:ea typeface=""/>
         <a:cs typeface=""/>
         <a:font script="Jpan" typeface="游ゴシック"/>
@@ -9236,7 +9412,7 @@
   <a:extraClrSchemeLst/>
   <a:extLst>
     <a:ext uri="{05A4C25C-085E-4340-85A3-A5531E510DB2}">
-      <thm15:themeFamily xmlns:thm15="http://schemas.microsoft.com/office/thememl/2012/main" name="Office Theme" id="{62F939B6-93AF-4DB8-9C6B-D6C7DFDC589F}" vid="{4A3C46E8-61CC-4603-A589-7422A47A8E4A}"/>
+      <thm15:themeFamily xmlns:thm15="http://schemas.microsoft.com/office/thememl/2012/main" xmlns="" name="Office Theme" id="{62F939B6-93AF-4DB8-9C6B-D6C7DFDC589F}" vid="{4A3C46E8-61CC-4603-A589-7422A47A8E4A}"/>
     </a:ext>
   </a:extLst>
 </a:theme>
